--- a/ppt 16-9/0729.需要耶稣.pptx
+++ b/ppt 16-9/0729.需要耶稣.pptx
@@ -129,7 +129,7 @@
           <p:cNvPr id="2" name="标题 1">
             <a:extLst>
               <a:ext uri="{FF2B5EF4-FFF2-40B4-BE49-F238E27FC236}">
-                <a16:creationId xmlns:a16="http://schemas.microsoft.com/office/drawing/2014/main" id="{7F46BDFD-ABD9-0B26-EEE8-434FFDF7BEB4}"/>
+                <a16:creationId xmlns:a16="http://schemas.microsoft.com/office/drawing/2014/main" id="{F208727A-BDBA-50E6-D484-52EFA6A65E1E}"/>
               </a:ext>
             </a:extLst>
           </p:cNvPr>
@@ -166,7 +166,7 @@
           <p:cNvPr id="3" name="副标题 2">
             <a:extLst>
               <a:ext uri="{FF2B5EF4-FFF2-40B4-BE49-F238E27FC236}">
-                <a16:creationId xmlns:a16="http://schemas.microsoft.com/office/drawing/2014/main" id="{CDF24046-FBFB-B75F-1321-1B5D6EF4BAA7}"/>
+                <a16:creationId xmlns:a16="http://schemas.microsoft.com/office/drawing/2014/main" id="{090FC6BC-0F6A-A4F0-D4C8-67A7858597D9}"/>
               </a:ext>
             </a:extLst>
           </p:cNvPr>
@@ -236,7 +236,7 @@
           <p:cNvPr id="4" name="日期占位符 3">
             <a:extLst>
               <a:ext uri="{FF2B5EF4-FFF2-40B4-BE49-F238E27FC236}">
-                <a16:creationId xmlns:a16="http://schemas.microsoft.com/office/drawing/2014/main" id="{F55400BF-2AD1-D304-9AC1-37A9D7E6A3AD}"/>
+                <a16:creationId xmlns:a16="http://schemas.microsoft.com/office/drawing/2014/main" id="{25DF5D81-D875-31E1-5362-F397468FE72E}"/>
               </a:ext>
             </a:extLst>
           </p:cNvPr>
@@ -252,7 +252,7 @@
           <a:bodyPr/>
           <a:lstStyle/>
           <a:p>
-            <a:fld id="{E20312F9-00B2-432D-936D-062DA3C83B02}" type="datetimeFigureOut">
+            <a:fld id="{B8FC55B3-BA4C-4134-B6FA-87009787B054}" type="datetimeFigureOut">
               <a:rPr lang="zh-CN" altLang="en-US" smtClean="0"/>
               <a:t>2024/3/10</a:t>
             </a:fld>
@@ -265,7 +265,7 @@
           <p:cNvPr id="5" name="页脚占位符 4">
             <a:extLst>
               <a:ext uri="{FF2B5EF4-FFF2-40B4-BE49-F238E27FC236}">
-                <a16:creationId xmlns:a16="http://schemas.microsoft.com/office/drawing/2014/main" id="{906A7163-2480-0847-E5AE-4E1F36EDF566}"/>
+                <a16:creationId xmlns:a16="http://schemas.microsoft.com/office/drawing/2014/main" id="{2197B8E3-3A8A-1113-71DC-4B4D2F341367}"/>
               </a:ext>
             </a:extLst>
           </p:cNvPr>
@@ -290,7 +290,7 @@
           <p:cNvPr id="6" name="灯片编号占位符 5">
             <a:extLst>
               <a:ext uri="{FF2B5EF4-FFF2-40B4-BE49-F238E27FC236}">
-                <a16:creationId xmlns:a16="http://schemas.microsoft.com/office/drawing/2014/main" id="{695E974A-4724-D02C-B5D2-71703D72918D}"/>
+                <a16:creationId xmlns:a16="http://schemas.microsoft.com/office/drawing/2014/main" id="{70E71233-0CFB-468E-72F5-4396D9F5B802}"/>
               </a:ext>
             </a:extLst>
           </p:cNvPr>
@@ -306,7 +306,7 @@
           <a:bodyPr/>
           <a:lstStyle/>
           <a:p>
-            <a:fld id="{02E3B1AB-DEB6-46EF-B501-25781BC0CB01}" type="slidenum">
+            <a:fld id="{C76ABE50-4381-4F67-A75B-75AE040D0E80}" type="slidenum">
               <a:rPr lang="zh-CN" altLang="en-US" smtClean="0"/>
               <a:t>‹#›</a:t>
             </a:fld>
@@ -317,7 +317,7 @@
     </p:spTree>
     <p:extLst>
       <p:ext uri="{BB962C8B-B14F-4D97-AF65-F5344CB8AC3E}">
-        <p14:creationId xmlns:p14="http://schemas.microsoft.com/office/powerpoint/2010/main" val="4238859026"/>
+        <p14:creationId xmlns:p14="http://schemas.microsoft.com/office/powerpoint/2010/main" val="1477239939"/>
       </p:ext>
     </p:extLst>
   </p:cSld>
@@ -349,7 +349,7 @@
           <p:cNvPr id="2" name="标题 1">
             <a:extLst>
               <a:ext uri="{FF2B5EF4-FFF2-40B4-BE49-F238E27FC236}">
-                <a16:creationId xmlns:a16="http://schemas.microsoft.com/office/drawing/2014/main" id="{020FE5ED-3002-27AC-22E3-F20965306785}"/>
+                <a16:creationId xmlns:a16="http://schemas.microsoft.com/office/drawing/2014/main" id="{5E68E46D-F991-581C-08F6-9B2FE46A74F7}"/>
               </a:ext>
             </a:extLst>
           </p:cNvPr>
@@ -377,7 +377,7 @@
           <p:cNvPr id="3" name="竖排文字占位符 2">
             <a:extLst>
               <a:ext uri="{FF2B5EF4-FFF2-40B4-BE49-F238E27FC236}">
-                <a16:creationId xmlns:a16="http://schemas.microsoft.com/office/drawing/2014/main" id="{BCD1195E-4D27-0E54-578E-6702062B2AA8}"/>
+                <a16:creationId xmlns:a16="http://schemas.microsoft.com/office/drawing/2014/main" id="{E1961FBF-AAC8-4BEA-9F71-0426E71760AE}"/>
               </a:ext>
             </a:extLst>
           </p:cNvPr>
@@ -434,7 +434,7 @@
           <p:cNvPr id="4" name="日期占位符 3">
             <a:extLst>
               <a:ext uri="{FF2B5EF4-FFF2-40B4-BE49-F238E27FC236}">
-                <a16:creationId xmlns:a16="http://schemas.microsoft.com/office/drawing/2014/main" id="{4A09F742-866A-5570-6C49-9A6C3114B5D8}"/>
+                <a16:creationId xmlns:a16="http://schemas.microsoft.com/office/drawing/2014/main" id="{D5637CBB-9E2A-9A70-B3A4-1DFD47CB6CE5}"/>
               </a:ext>
             </a:extLst>
           </p:cNvPr>
@@ -450,7 +450,7 @@
           <a:bodyPr/>
           <a:lstStyle/>
           <a:p>
-            <a:fld id="{E20312F9-00B2-432D-936D-062DA3C83B02}" type="datetimeFigureOut">
+            <a:fld id="{B8FC55B3-BA4C-4134-B6FA-87009787B054}" type="datetimeFigureOut">
               <a:rPr lang="zh-CN" altLang="en-US" smtClean="0"/>
               <a:t>2024/3/10</a:t>
             </a:fld>
@@ -463,7 +463,7 @@
           <p:cNvPr id="5" name="页脚占位符 4">
             <a:extLst>
               <a:ext uri="{FF2B5EF4-FFF2-40B4-BE49-F238E27FC236}">
-                <a16:creationId xmlns:a16="http://schemas.microsoft.com/office/drawing/2014/main" id="{1D589A7F-CB73-132A-C583-FFEB15FFE275}"/>
+                <a16:creationId xmlns:a16="http://schemas.microsoft.com/office/drawing/2014/main" id="{F41A2CF6-A852-8BCB-F405-068BB765B56C}"/>
               </a:ext>
             </a:extLst>
           </p:cNvPr>
@@ -488,7 +488,7 @@
           <p:cNvPr id="6" name="灯片编号占位符 5">
             <a:extLst>
               <a:ext uri="{FF2B5EF4-FFF2-40B4-BE49-F238E27FC236}">
-                <a16:creationId xmlns:a16="http://schemas.microsoft.com/office/drawing/2014/main" id="{0E930691-2834-980D-27A2-C4A97EA15887}"/>
+                <a16:creationId xmlns:a16="http://schemas.microsoft.com/office/drawing/2014/main" id="{CBD786CD-B967-FE53-E0A5-4D254EB9F60A}"/>
               </a:ext>
             </a:extLst>
           </p:cNvPr>
@@ -504,7 +504,7 @@
           <a:bodyPr/>
           <a:lstStyle/>
           <a:p>
-            <a:fld id="{02E3B1AB-DEB6-46EF-B501-25781BC0CB01}" type="slidenum">
+            <a:fld id="{C76ABE50-4381-4F67-A75B-75AE040D0E80}" type="slidenum">
               <a:rPr lang="zh-CN" altLang="en-US" smtClean="0"/>
               <a:t>‹#›</a:t>
             </a:fld>
@@ -515,7 +515,7 @@
     </p:spTree>
     <p:extLst>
       <p:ext uri="{BB962C8B-B14F-4D97-AF65-F5344CB8AC3E}">
-        <p14:creationId xmlns:p14="http://schemas.microsoft.com/office/powerpoint/2010/main" val="4201345155"/>
+        <p14:creationId xmlns:p14="http://schemas.microsoft.com/office/powerpoint/2010/main" val="3605884930"/>
       </p:ext>
     </p:extLst>
   </p:cSld>
@@ -547,7 +547,7 @@
           <p:cNvPr id="2" name="竖排标题 1">
             <a:extLst>
               <a:ext uri="{FF2B5EF4-FFF2-40B4-BE49-F238E27FC236}">
-                <a16:creationId xmlns:a16="http://schemas.microsoft.com/office/drawing/2014/main" id="{2D452A80-958C-2D9C-5CA4-32DF16E525A8}"/>
+                <a16:creationId xmlns:a16="http://schemas.microsoft.com/office/drawing/2014/main" id="{AF10285D-1963-3EEB-65CB-8809DA5785A9}"/>
               </a:ext>
             </a:extLst>
           </p:cNvPr>
@@ -580,7 +580,7 @@
           <p:cNvPr id="3" name="竖排文字占位符 2">
             <a:extLst>
               <a:ext uri="{FF2B5EF4-FFF2-40B4-BE49-F238E27FC236}">
-                <a16:creationId xmlns:a16="http://schemas.microsoft.com/office/drawing/2014/main" id="{E3EB46D3-41EA-A80B-247E-962E9885BA66}"/>
+                <a16:creationId xmlns:a16="http://schemas.microsoft.com/office/drawing/2014/main" id="{C1722D11-13B3-E189-6D65-407AD7315E26}"/>
               </a:ext>
             </a:extLst>
           </p:cNvPr>
@@ -642,7 +642,7 @@
           <p:cNvPr id="4" name="日期占位符 3">
             <a:extLst>
               <a:ext uri="{FF2B5EF4-FFF2-40B4-BE49-F238E27FC236}">
-                <a16:creationId xmlns:a16="http://schemas.microsoft.com/office/drawing/2014/main" id="{B5E686BE-954A-8770-017C-2B0597E09004}"/>
+                <a16:creationId xmlns:a16="http://schemas.microsoft.com/office/drawing/2014/main" id="{09C927CB-335E-D993-82EE-9811FC71A37F}"/>
               </a:ext>
             </a:extLst>
           </p:cNvPr>
@@ -658,7 +658,7 @@
           <a:bodyPr/>
           <a:lstStyle/>
           <a:p>
-            <a:fld id="{E20312F9-00B2-432D-936D-062DA3C83B02}" type="datetimeFigureOut">
+            <a:fld id="{B8FC55B3-BA4C-4134-B6FA-87009787B054}" type="datetimeFigureOut">
               <a:rPr lang="zh-CN" altLang="en-US" smtClean="0"/>
               <a:t>2024/3/10</a:t>
             </a:fld>
@@ -671,7 +671,7 @@
           <p:cNvPr id="5" name="页脚占位符 4">
             <a:extLst>
               <a:ext uri="{FF2B5EF4-FFF2-40B4-BE49-F238E27FC236}">
-                <a16:creationId xmlns:a16="http://schemas.microsoft.com/office/drawing/2014/main" id="{0272AA50-4FB1-418D-2932-48594111FA98}"/>
+                <a16:creationId xmlns:a16="http://schemas.microsoft.com/office/drawing/2014/main" id="{186C89AA-DE8F-61EB-CE5E-413673DBDA19}"/>
               </a:ext>
             </a:extLst>
           </p:cNvPr>
@@ -696,7 +696,7 @@
           <p:cNvPr id="6" name="灯片编号占位符 5">
             <a:extLst>
               <a:ext uri="{FF2B5EF4-FFF2-40B4-BE49-F238E27FC236}">
-                <a16:creationId xmlns:a16="http://schemas.microsoft.com/office/drawing/2014/main" id="{94F5FD83-4C5D-B5AF-ED90-2171F2740CEB}"/>
+                <a16:creationId xmlns:a16="http://schemas.microsoft.com/office/drawing/2014/main" id="{1ED06F0A-CAE7-7FEF-2344-AFCE62E916F9}"/>
               </a:ext>
             </a:extLst>
           </p:cNvPr>
@@ -712,7 +712,7 @@
           <a:bodyPr/>
           <a:lstStyle/>
           <a:p>
-            <a:fld id="{02E3B1AB-DEB6-46EF-B501-25781BC0CB01}" type="slidenum">
+            <a:fld id="{C76ABE50-4381-4F67-A75B-75AE040D0E80}" type="slidenum">
               <a:rPr lang="zh-CN" altLang="en-US" smtClean="0"/>
               <a:t>‹#›</a:t>
             </a:fld>
@@ -723,7 +723,7 @@
     </p:spTree>
     <p:extLst>
       <p:ext uri="{BB962C8B-B14F-4D97-AF65-F5344CB8AC3E}">
-        <p14:creationId xmlns:p14="http://schemas.microsoft.com/office/powerpoint/2010/main" val="2189760289"/>
+        <p14:creationId xmlns:p14="http://schemas.microsoft.com/office/powerpoint/2010/main" val="3048486391"/>
       </p:ext>
     </p:extLst>
   </p:cSld>
@@ -755,7 +755,7 @@
           <p:cNvPr id="2" name="标题 1">
             <a:extLst>
               <a:ext uri="{FF2B5EF4-FFF2-40B4-BE49-F238E27FC236}">
-                <a16:creationId xmlns:a16="http://schemas.microsoft.com/office/drawing/2014/main" id="{8B347D9B-8FFA-F348-9DB3-B36F2DE48954}"/>
+                <a16:creationId xmlns:a16="http://schemas.microsoft.com/office/drawing/2014/main" id="{E966C657-1D6B-6BA9-BB77-7C567BC527F1}"/>
               </a:ext>
             </a:extLst>
           </p:cNvPr>
@@ -783,7 +783,7 @@
           <p:cNvPr id="3" name="内容占位符 2">
             <a:extLst>
               <a:ext uri="{FF2B5EF4-FFF2-40B4-BE49-F238E27FC236}">
-                <a16:creationId xmlns:a16="http://schemas.microsoft.com/office/drawing/2014/main" id="{7F16DE38-F250-8E3D-3BB6-20DA7AB45A67}"/>
+                <a16:creationId xmlns:a16="http://schemas.microsoft.com/office/drawing/2014/main" id="{7749FBE5-C067-9646-C82F-2081B04358C0}"/>
               </a:ext>
             </a:extLst>
           </p:cNvPr>
@@ -840,7 +840,7 @@
           <p:cNvPr id="4" name="日期占位符 3">
             <a:extLst>
               <a:ext uri="{FF2B5EF4-FFF2-40B4-BE49-F238E27FC236}">
-                <a16:creationId xmlns:a16="http://schemas.microsoft.com/office/drawing/2014/main" id="{092F118D-832B-CE44-48F4-892CA8688736}"/>
+                <a16:creationId xmlns:a16="http://schemas.microsoft.com/office/drawing/2014/main" id="{2A710FF1-14B0-80B0-D39D-0C155C23D776}"/>
               </a:ext>
             </a:extLst>
           </p:cNvPr>
@@ -856,7 +856,7 @@
           <a:bodyPr/>
           <a:lstStyle/>
           <a:p>
-            <a:fld id="{E20312F9-00B2-432D-936D-062DA3C83B02}" type="datetimeFigureOut">
+            <a:fld id="{B8FC55B3-BA4C-4134-B6FA-87009787B054}" type="datetimeFigureOut">
               <a:rPr lang="zh-CN" altLang="en-US" smtClean="0"/>
               <a:t>2024/3/10</a:t>
             </a:fld>
@@ -869,7 +869,7 @@
           <p:cNvPr id="5" name="页脚占位符 4">
             <a:extLst>
               <a:ext uri="{FF2B5EF4-FFF2-40B4-BE49-F238E27FC236}">
-                <a16:creationId xmlns:a16="http://schemas.microsoft.com/office/drawing/2014/main" id="{045D47C1-B361-A4BF-DC95-5726FC80DADC}"/>
+                <a16:creationId xmlns:a16="http://schemas.microsoft.com/office/drawing/2014/main" id="{99A1A4F1-1D3F-4A2C-880C-91970EC19A49}"/>
               </a:ext>
             </a:extLst>
           </p:cNvPr>
@@ -894,7 +894,7 @@
           <p:cNvPr id="6" name="灯片编号占位符 5">
             <a:extLst>
               <a:ext uri="{FF2B5EF4-FFF2-40B4-BE49-F238E27FC236}">
-                <a16:creationId xmlns:a16="http://schemas.microsoft.com/office/drawing/2014/main" id="{3795846D-35B4-331C-235B-8826D52E0EE9}"/>
+                <a16:creationId xmlns:a16="http://schemas.microsoft.com/office/drawing/2014/main" id="{74352F84-C083-9EF0-71BE-3C7D79F77840}"/>
               </a:ext>
             </a:extLst>
           </p:cNvPr>
@@ -910,7 +910,7 @@
           <a:bodyPr/>
           <a:lstStyle/>
           <a:p>
-            <a:fld id="{02E3B1AB-DEB6-46EF-B501-25781BC0CB01}" type="slidenum">
+            <a:fld id="{C76ABE50-4381-4F67-A75B-75AE040D0E80}" type="slidenum">
               <a:rPr lang="zh-CN" altLang="en-US" smtClean="0"/>
               <a:t>‹#›</a:t>
             </a:fld>
@@ -921,7 +921,7 @@
     </p:spTree>
     <p:extLst>
       <p:ext uri="{BB962C8B-B14F-4D97-AF65-F5344CB8AC3E}">
-        <p14:creationId xmlns:p14="http://schemas.microsoft.com/office/powerpoint/2010/main" val="4147366540"/>
+        <p14:creationId xmlns:p14="http://schemas.microsoft.com/office/powerpoint/2010/main" val="175666178"/>
       </p:ext>
     </p:extLst>
   </p:cSld>
@@ -953,7 +953,7 @@
           <p:cNvPr id="2" name="标题 1">
             <a:extLst>
               <a:ext uri="{FF2B5EF4-FFF2-40B4-BE49-F238E27FC236}">
-                <a16:creationId xmlns:a16="http://schemas.microsoft.com/office/drawing/2014/main" id="{F4290F7C-6F7F-2A63-7C3A-25F266ACF66D}"/>
+                <a16:creationId xmlns:a16="http://schemas.microsoft.com/office/drawing/2014/main" id="{FED92155-BA83-349C-9C67-5F9FA81523B9}"/>
               </a:ext>
             </a:extLst>
           </p:cNvPr>
@@ -990,7 +990,7 @@
           <p:cNvPr id="3" name="文本占位符 2">
             <a:extLst>
               <a:ext uri="{FF2B5EF4-FFF2-40B4-BE49-F238E27FC236}">
-                <a16:creationId xmlns:a16="http://schemas.microsoft.com/office/drawing/2014/main" id="{FD0AD140-BE01-EA11-FEA2-DCDAAB6DE58D}"/>
+                <a16:creationId xmlns:a16="http://schemas.microsoft.com/office/drawing/2014/main" id="{9DDC18ED-FAB0-7B94-83C3-FA57BA71F645}"/>
               </a:ext>
             </a:extLst>
           </p:cNvPr>
@@ -1115,7 +1115,7 @@
           <p:cNvPr id="4" name="日期占位符 3">
             <a:extLst>
               <a:ext uri="{FF2B5EF4-FFF2-40B4-BE49-F238E27FC236}">
-                <a16:creationId xmlns:a16="http://schemas.microsoft.com/office/drawing/2014/main" id="{F0AAA378-6E43-9E10-5F9B-57FF55473228}"/>
+                <a16:creationId xmlns:a16="http://schemas.microsoft.com/office/drawing/2014/main" id="{5F2ECA9B-2842-A3AE-2443-88A6C931C77A}"/>
               </a:ext>
             </a:extLst>
           </p:cNvPr>
@@ -1131,7 +1131,7 @@
           <a:bodyPr/>
           <a:lstStyle/>
           <a:p>
-            <a:fld id="{E20312F9-00B2-432D-936D-062DA3C83B02}" type="datetimeFigureOut">
+            <a:fld id="{B8FC55B3-BA4C-4134-B6FA-87009787B054}" type="datetimeFigureOut">
               <a:rPr lang="zh-CN" altLang="en-US" smtClean="0"/>
               <a:t>2024/3/10</a:t>
             </a:fld>
@@ -1144,7 +1144,7 @@
           <p:cNvPr id="5" name="页脚占位符 4">
             <a:extLst>
               <a:ext uri="{FF2B5EF4-FFF2-40B4-BE49-F238E27FC236}">
-                <a16:creationId xmlns:a16="http://schemas.microsoft.com/office/drawing/2014/main" id="{174DE328-7BA9-0017-1006-85D49A3F351A}"/>
+                <a16:creationId xmlns:a16="http://schemas.microsoft.com/office/drawing/2014/main" id="{816E2B26-93D0-DDE3-01C8-A9FE876D9697}"/>
               </a:ext>
             </a:extLst>
           </p:cNvPr>
@@ -1169,7 +1169,7 @@
           <p:cNvPr id="6" name="灯片编号占位符 5">
             <a:extLst>
               <a:ext uri="{FF2B5EF4-FFF2-40B4-BE49-F238E27FC236}">
-                <a16:creationId xmlns:a16="http://schemas.microsoft.com/office/drawing/2014/main" id="{4D2EB192-E640-3FB8-B698-EBBD8D3B6F8F}"/>
+                <a16:creationId xmlns:a16="http://schemas.microsoft.com/office/drawing/2014/main" id="{28AC27B0-CB8D-7A56-75B5-20E246D7DFE8}"/>
               </a:ext>
             </a:extLst>
           </p:cNvPr>
@@ -1185,7 +1185,7 @@
           <a:bodyPr/>
           <a:lstStyle/>
           <a:p>
-            <a:fld id="{02E3B1AB-DEB6-46EF-B501-25781BC0CB01}" type="slidenum">
+            <a:fld id="{C76ABE50-4381-4F67-A75B-75AE040D0E80}" type="slidenum">
               <a:rPr lang="zh-CN" altLang="en-US" smtClean="0"/>
               <a:t>‹#›</a:t>
             </a:fld>
@@ -1196,7 +1196,7 @@
     </p:spTree>
     <p:extLst>
       <p:ext uri="{BB962C8B-B14F-4D97-AF65-F5344CB8AC3E}">
-        <p14:creationId xmlns:p14="http://schemas.microsoft.com/office/powerpoint/2010/main" val="2422680876"/>
+        <p14:creationId xmlns:p14="http://schemas.microsoft.com/office/powerpoint/2010/main" val="4059714647"/>
       </p:ext>
     </p:extLst>
   </p:cSld>
@@ -1228,7 +1228,7 @@
           <p:cNvPr id="2" name="标题 1">
             <a:extLst>
               <a:ext uri="{FF2B5EF4-FFF2-40B4-BE49-F238E27FC236}">
-                <a16:creationId xmlns:a16="http://schemas.microsoft.com/office/drawing/2014/main" id="{B72AC6B4-0E83-613E-26C8-8B84407A0033}"/>
+                <a16:creationId xmlns:a16="http://schemas.microsoft.com/office/drawing/2014/main" id="{388A9567-8A4E-D536-0814-B9EEB951EB7D}"/>
               </a:ext>
             </a:extLst>
           </p:cNvPr>
@@ -1256,7 +1256,7 @@
           <p:cNvPr id="3" name="内容占位符 2">
             <a:extLst>
               <a:ext uri="{FF2B5EF4-FFF2-40B4-BE49-F238E27FC236}">
-                <a16:creationId xmlns:a16="http://schemas.microsoft.com/office/drawing/2014/main" id="{5FDA7015-652B-AC5E-DF18-A0A01D7CE2F9}"/>
+                <a16:creationId xmlns:a16="http://schemas.microsoft.com/office/drawing/2014/main" id="{E8060C94-E5D1-1003-C016-9E3FB3A5961F}"/>
               </a:ext>
             </a:extLst>
           </p:cNvPr>
@@ -1318,7 +1318,7 @@
           <p:cNvPr id="4" name="内容占位符 3">
             <a:extLst>
               <a:ext uri="{FF2B5EF4-FFF2-40B4-BE49-F238E27FC236}">
-                <a16:creationId xmlns:a16="http://schemas.microsoft.com/office/drawing/2014/main" id="{7EFEA6E3-B62C-A7C7-E10C-613325902513}"/>
+                <a16:creationId xmlns:a16="http://schemas.microsoft.com/office/drawing/2014/main" id="{778D585A-825F-2B16-37B5-3848391F17D3}"/>
               </a:ext>
             </a:extLst>
           </p:cNvPr>
@@ -1380,7 +1380,7 @@
           <p:cNvPr id="5" name="日期占位符 4">
             <a:extLst>
               <a:ext uri="{FF2B5EF4-FFF2-40B4-BE49-F238E27FC236}">
-                <a16:creationId xmlns:a16="http://schemas.microsoft.com/office/drawing/2014/main" id="{E0AE0FD0-70E3-8FFA-5702-09681C2C20F3}"/>
+                <a16:creationId xmlns:a16="http://schemas.microsoft.com/office/drawing/2014/main" id="{36A93F7A-4F79-6016-BD95-AE86AC672868}"/>
               </a:ext>
             </a:extLst>
           </p:cNvPr>
@@ -1396,7 +1396,7 @@
           <a:bodyPr/>
           <a:lstStyle/>
           <a:p>
-            <a:fld id="{E20312F9-00B2-432D-936D-062DA3C83B02}" type="datetimeFigureOut">
+            <a:fld id="{B8FC55B3-BA4C-4134-B6FA-87009787B054}" type="datetimeFigureOut">
               <a:rPr lang="zh-CN" altLang="en-US" smtClean="0"/>
               <a:t>2024/3/10</a:t>
             </a:fld>
@@ -1409,7 +1409,7 @@
           <p:cNvPr id="6" name="页脚占位符 5">
             <a:extLst>
               <a:ext uri="{FF2B5EF4-FFF2-40B4-BE49-F238E27FC236}">
-                <a16:creationId xmlns:a16="http://schemas.microsoft.com/office/drawing/2014/main" id="{73C0938A-E5A8-DA3C-F0CC-1C80CFD5AC27}"/>
+                <a16:creationId xmlns:a16="http://schemas.microsoft.com/office/drawing/2014/main" id="{6B25BA52-C7E6-040C-BED9-7AB1E6E878C3}"/>
               </a:ext>
             </a:extLst>
           </p:cNvPr>
@@ -1434,7 +1434,7 @@
           <p:cNvPr id="7" name="灯片编号占位符 6">
             <a:extLst>
               <a:ext uri="{FF2B5EF4-FFF2-40B4-BE49-F238E27FC236}">
-                <a16:creationId xmlns:a16="http://schemas.microsoft.com/office/drawing/2014/main" id="{3B90D147-1FCE-230D-BF71-D254429A350F}"/>
+                <a16:creationId xmlns:a16="http://schemas.microsoft.com/office/drawing/2014/main" id="{46FEBA9A-E03A-8C84-EEEC-C9F5881234B1}"/>
               </a:ext>
             </a:extLst>
           </p:cNvPr>
@@ -1450,7 +1450,7 @@
           <a:bodyPr/>
           <a:lstStyle/>
           <a:p>
-            <a:fld id="{02E3B1AB-DEB6-46EF-B501-25781BC0CB01}" type="slidenum">
+            <a:fld id="{C76ABE50-4381-4F67-A75B-75AE040D0E80}" type="slidenum">
               <a:rPr lang="zh-CN" altLang="en-US" smtClean="0"/>
               <a:t>‹#›</a:t>
             </a:fld>
@@ -1461,7 +1461,7 @@
     </p:spTree>
     <p:extLst>
       <p:ext uri="{BB962C8B-B14F-4D97-AF65-F5344CB8AC3E}">
-        <p14:creationId xmlns:p14="http://schemas.microsoft.com/office/powerpoint/2010/main" val="2074714899"/>
+        <p14:creationId xmlns:p14="http://schemas.microsoft.com/office/powerpoint/2010/main" val="1789609507"/>
       </p:ext>
     </p:extLst>
   </p:cSld>
@@ -1493,7 +1493,7 @@
           <p:cNvPr id="2" name="标题 1">
             <a:extLst>
               <a:ext uri="{FF2B5EF4-FFF2-40B4-BE49-F238E27FC236}">
-                <a16:creationId xmlns:a16="http://schemas.microsoft.com/office/drawing/2014/main" id="{724B212D-FFA0-9DE1-25C0-76FFAC02FD2E}"/>
+                <a16:creationId xmlns:a16="http://schemas.microsoft.com/office/drawing/2014/main" id="{06FDB194-FC80-1A35-CCED-6A213BE629DA}"/>
               </a:ext>
             </a:extLst>
           </p:cNvPr>
@@ -1526,7 +1526,7 @@
           <p:cNvPr id="3" name="文本占位符 2">
             <a:extLst>
               <a:ext uri="{FF2B5EF4-FFF2-40B4-BE49-F238E27FC236}">
-                <a16:creationId xmlns:a16="http://schemas.microsoft.com/office/drawing/2014/main" id="{E4844C01-164B-6527-7224-893BBDC1D755}"/>
+                <a16:creationId xmlns:a16="http://schemas.microsoft.com/office/drawing/2014/main" id="{327FC7D9-C51D-C464-99AA-7D07709C48E4}"/>
               </a:ext>
             </a:extLst>
           </p:cNvPr>
@@ -1597,7 +1597,7 @@
           <p:cNvPr id="4" name="内容占位符 3">
             <a:extLst>
               <a:ext uri="{FF2B5EF4-FFF2-40B4-BE49-F238E27FC236}">
-                <a16:creationId xmlns:a16="http://schemas.microsoft.com/office/drawing/2014/main" id="{DB1716F0-04D7-46EA-D144-D0910EE008E5}"/>
+                <a16:creationId xmlns:a16="http://schemas.microsoft.com/office/drawing/2014/main" id="{A72FD5CC-1F77-D1B7-DA62-889DD1EED9C6}"/>
               </a:ext>
             </a:extLst>
           </p:cNvPr>
@@ -1659,7 +1659,7 @@
           <p:cNvPr id="5" name="文本占位符 4">
             <a:extLst>
               <a:ext uri="{FF2B5EF4-FFF2-40B4-BE49-F238E27FC236}">
-                <a16:creationId xmlns:a16="http://schemas.microsoft.com/office/drawing/2014/main" id="{87771666-A932-BB69-0E92-7FBEAAF63045}"/>
+                <a16:creationId xmlns:a16="http://schemas.microsoft.com/office/drawing/2014/main" id="{0CB7438D-2078-A3FA-FA61-BE9E8C5FC8CA}"/>
               </a:ext>
             </a:extLst>
           </p:cNvPr>
@@ -1730,7 +1730,7 @@
           <p:cNvPr id="6" name="内容占位符 5">
             <a:extLst>
               <a:ext uri="{FF2B5EF4-FFF2-40B4-BE49-F238E27FC236}">
-                <a16:creationId xmlns:a16="http://schemas.microsoft.com/office/drawing/2014/main" id="{4DE934F0-A9D1-0109-6FE5-6293E8AD6EC9}"/>
+                <a16:creationId xmlns:a16="http://schemas.microsoft.com/office/drawing/2014/main" id="{99088ACB-C550-DC3D-855C-88949C02B8DF}"/>
               </a:ext>
             </a:extLst>
           </p:cNvPr>
@@ -1792,7 +1792,7 @@
           <p:cNvPr id="7" name="日期占位符 6">
             <a:extLst>
               <a:ext uri="{FF2B5EF4-FFF2-40B4-BE49-F238E27FC236}">
-                <a16:creationId xmlns:a16="http://schemas.microsoft.com/office/drawing/2014/main" id="{CD6BB9A4-5F43-089D-9455-22B1332BF31A}"/>
+                <a16:creationId xmlns:a16="http://schemas.microsoft.com/office/drawing/2014/main" id="{764839C9-B4F7-F2FE-65A1-61D3903FE5A5}"/>
               </a:ext>
             </a:extLst>
           </p:cNvPr>
@@ -1808,7 +1808,7 @@
           <a:bodyPr/>
           <a:lstStyle/>
           <a:p>
-            <a:fld id="{E20312F9-00B2-432D-936D-062DA3C83B02}" type="datetimeFigureOut">
+            <a:fld id="{B8FC55B3-BA4C-4134-B6FA-87009787B054}" type="datetimeFigureOut">
               <a:rPr lang="zh-CN" altLang="en-US" smtClean="0"/>
               <a:t>2024/3/10</a:t>
             </a:fld>
@@ -1821,7 +1821,7 @@
           <p:cNvPr id="8" name="页脚占位符 7">
             <a:extLst>
               <a:ext uri="{FF2B5EF4-FFF2-40B4-BE49-F238E27FC236}">
-                <a16:creationId xmlns:a16="http://schemas.microsoft.com/office/drawing/2014/main" id="{095079DA-E12F-BA34-957B-E45F9E926E0A}"/>
+                <a16:creationId xmlns:a16="http://schemas.microsoft.com/office/drawing/2014/main" id="{F88FE849-4D60-1AB6-2B27-9F99C27FB30F}"/>
               </a:ext>
             </a:extLst>
           </p:cNvPr>
@@ -1846,7 +1846,7 @@
           <p:cNvPr id="9" name="灯片编号占位符 8">
             <a:extLst>
               <a:ext uri="{FF2B5EF4-FFF2-40B4-BE49-F238E27FC236}">
-                <a16:creationId xmlns:a16="http://schemas.microsoft.com/office/drawing/2014/main" id="{2C18FB47-AA37-FA98-4A26-2DD27177AD0D}"/>
+                <a16:creationId xmlns:a16="http://schemas.microsoft.com/office/drawing/2014/main" id="{02C03399-4971-0FAF-4536-3F906AA1911C}"/>
               </a:ext>
             </a:extLst>
           </p:cNvPr>
@@ -1862,7 +1862,7 @@
           <a:bodyPr/>
           <a:lstStyle/>
           <a:p>
-            <a:fld id="{02E3B1AB-DEB6-46EF-B501-25781BC0CB01}" type="slidenum">
+            <a:fld id="{C76ABE50-4381-4F67-A75B-75AE040D0E80}" type="slidenum">
               <a:rPr lang="zh-CN" altLang="en-US" smtClean="0"/>
               <a:t>‹#›</a:t>
             </a:fld>
@@ -1873,7 +1873,7 @@
     </p:spTree>
     <p:extLst>
       <p:ext uri="{BB962C8B-B14F-4D97-AF65-F5344CB8AC3E}">
-        <p14:creationId xmlns:p14="http://schemas.microsoft.com/office/powerpoint/2010/main" val="942168407"/>
+        <p14:creationId xmlns:p14="http://schemas.microsoft.com/office/powerpoint/2010/main" val="3485422525"/>
       </p:ext>
     </p:extLst>
   </p:cSld>
@@ -1905,7 +1905,7 @@
           <p:cNvPr id="2" name="标题 1">
             <a:extLst>
               <a:ext uri="{FF2B5EF4-FFF2-40B4-BE49-F238E27FC236}">
-                <a16:creationId xmlns:a16="http://schemas.microsoft.com/office/drawing/2014/main" id="{076C04FF-1EE5-04FC-3EA9-996489EBF576}"/>
+                <a16:creationId xmlns:a16="http://schemas.microsoft.com/office/drawing/2014/main" id="{374DC0A6-852B-6379-9D64-220194B27272}"/>
               </a:ext>
             </a:extLst>
           </p:cNvPr>
@@ -1933,7 +1933,7 @@
           <p:cNvPr id="3" name="日期占位符 2">
             <a:extLst>
               <a:ext uri="{FF2B5EF4-FFF2-40B4-BE49-F238E27FC236}">
-                <a16:creationId xmlns:a16="http://schemas.microsoft.com/office/drawing/2014/main" id="{01561435-CDD7-5873-3304-0E2E6ABBA3A5}"/>
+                <a16:creationId xmlns:a16="http://schemas.microsoft.com/office/drawing/2014/main" id="{798FD841-59E1-B440-8242-45F4929320C7}"/>
               </a:ext>
             </a:extLst>
           </p:cNvPr>
@@ -1949,7 +1949,7 @@
           <a:bodyPr/>
           <a:lstStyle/>
           <a:p>
-            <a:fld id="{E20312F9-00B2-432D-936D-062DA3C83B02}" type="datetimeFigureOut">
+            <a:fld id="{B8FC55B3-BA4C-4134-B6FA-87009787B054}" type="datetimeFigureOut">
               <a:rPr lang="zh-CN" altLang="en-US" smtClean="0"/>
               <a:t>2024/3/10</a:t>
             </a:fld>
@@ -1962,7 +1962,7 @@
           <p:cNvPr id="4" name="页脚占位符 3">
             <a:extLst>
               <a:ext uri="{FF2B5EF4-FFF2-40B4-BE49-F238E27FC236}">
-                <a16:creationId xmlns:a16="http://schemas.microsoft.com/office/drawing/2014/main" id="{099A7E5C-82DF-0CF4-CD71-E287BF793DF6}"/>
+                <a16:creationId xmlns:a16="http://schemas.microsoft.com/office/drawing/2014/main" id="{01EB19D7-801F-2606-610A-CA98078116AF}"/>
               </a:ext>
             </a:extLst>
           </p:cNvPr>
@@ -1987,7 +1987,7 @@
           <p:cNvPr id="5" name="灯片编号占位符 4">
             <a:extLst>
               <a:ext uri="{FF2B5EF4-FFF2-40B4-BE49-F238E27FC236}">
-                <a16:creationId xmlns:a16="http://schemas.microsoft.com/office/drawing/2014/main" id="{A84ECA1D-198D-F3AB-A442-647F3D57A9B4}"/>
+                <a16:creationId xmlns:a16="http://schemas.microsoft.com/office/drawing/2014/main" id="{A4DFC70D-21E1-6F96-AA30-1811CBC63ACF}"/>
               </a:ext>
             </a:extLst>
           </p:cNvPr>
@@ -2003,7 +2003,7 @@
           <a:bodyPr/>
           <a:lstStyle/>
           <a:p>
-            <a:fld id="{02E3B1AB-DEB6-46EF-B501-25781BC0CB01}" type="slidenum">
+            <a:fld id="{C76ABE50-4381-4F67-A75B-75AE040D0E80}" type="slidenum">
               <a:rPr lang="zh-CN" altLang="en-US" smtClean="0"/>
               <a:t>‹#›</a:t>
             </a:fld>
@@ -2014,7 +2014,7 @@
     </p:spTree>
     <p:extLst>
       <p:ext uri="{BB962C8B-B14F-4D97-AF65-F5344CB8AC3E}">
-        <p14:creationId xmlns:p14="http://schemas.microsoft.com/office/powerpoint/2010/main" val="2072563710"/>
+        <p14:creationId xmlns:p14="http://schemas.microsoft.com/office/powerpoint/2010/main" val="2640986748"/>
       </p:ext>
     </p:extLst>
   </p:cSld>
@@ -2046,7 +2046,7 @@
           <p:cNvPr id="2" name="日期占位符 1">
             <a:extLst>
               <a:ext uri="{FF2B5EF4-FFF2-40B4-BE49-F238E27FC236}">
-                <a16:creationId xmlns:a16="http://schemas.microsoft.com/office/drawing/2014/main" id="{26DFB57C-2BCB-3042-0F4C-A47E62F5CC85}"/>
+                <a16:creationId xmlns:a16="http://schemas.microsoft.com/office/drawing/2014/main" id="{0F78FB3E-3FD4-C064-C933-C45B001A0CA5}"/>
               </a:ext>
             </a:extLst>
           </p:cNvPr>
@@ -2062,7 +2062,7 @@
           <a:bodyPr/>
           <a:lstStyle/>
           <a:p>
-            <a:fld id="{E20312F9-00B2-432D-936D-062DA3C83B02}" type="datetimeFigureOut">
+            <a:fld id="{B8FC55B3-BA4C-4134-B6FA-87009787B054}" type="datetimeFigureOut">
               <a:rPr lang="zh-CN" altLang="en-US" smtClean="0"/>
               <a:t>2024/3/10</a:t>
             </a:fld>
@@ -2075,7 +2075,7 @@
           <p:cNvPr id="3" name="页脚占位符 2">
             <a:extLst>
               <a:ext uri="{FF2B5EF4-FFF2-40B4-BE49-F238E27FC236}">
-                <a16:creationId xmlns:a16="http://schemas.microsoft.com/office/drawing/2014/main" id="{E886DF47-F186-5C0D-1A21-8F9DF8012367}"/>
+                <a16:creationId xmlns:a16="http://schemas.microsoft.com/office/drawing/2014/main" id="{5B18D301-9317-DB8C-4882-C3A597C763BF}"/>
               </a:ext>
             </a:extLst>
           </p:cNvPr>
@@ -2100,7 +2100,7 @@
           <p:cNvPr id="4" name="灯片编号占位符 3">
             <a:extLst>
               <a:ext uri="{FF2B5EF4-FFF2-40B4-BE49-F238E27FC236}">
-                <a16:creationId xmlns:a16="http://schemas.microsoft.com/office/drawing/2014/main" id="{BDD5BE79-3BF2-C178-D264-2488D754C2FE}"/>
+                <a16:creationId xmlns:a16="http://schemas.microsoft.com/office/drawing/2014/main" id="{905BF643-5AA7-7671-BA63-ED088BB6D081}"/>
               </a:ext>
             </a:extLst>
           </p:cNvPr>
@@ -2116,7 +2116,7 @@
           <a:bodyPr/>
           <a:lstStyle/>
           <a:p>
-            <a:fld id="{02E3B1AB-DEB6-46EF-B501-25781BC0CB01}" type="slidenum">
+            <a:fld id="{C76ABE50-4381-4F67-A75B-75AE040D0E80}" type="slidenum">
               <a:rPr lang="zh-CN" altLang="en-US" smtClean="0"/>
               <a:t>‹#›</a:t>
             </a:fld>
@@ -2127,7 +2127,7 @@
     </p:spTree>
     <p:extLst>
       <p:ext uri="{BB962C8B-B14F-4D97-AF65-F5344CB8AC3E}">
-        <p14:creationId xmlns:p14="http://schemas.microsoft.com/office/powerpoint/2010/main" val="3707809297"/>
+        <p14:creationId xmlns:p14="http://schemas.microsoft.com/office/powerpoint/2010/main" val="231565568"/>
       </p:ext>
     </p:extLst>
   </p:cSld>
@@ -2159,7 +2159,7 @@
           <p:cNvPr id="2" name="标题 1">
             <a:extLst>
               <a:ext uri="{FF2B5EF4-FFF2-40B4-BE49-F238E27FC236}">
-                <a16:creationId xmlns:a16="http://schemas.microsoft.com/office/drawing/2014/main" id="{5AB08CC8-B4C6-2C9B-399F-35009CDEA0D3}"/>
+                <a16:creationId xmlns:a16="http://schemas.microsoft.com/office/drawing/2014/main" id="{3ECCA243-9F60-93D4-F431-54F6D1423F13}"/>
               </a:ext>
             </a:extLst>
           </p:cNvPr>
@@ -2196,7 +2196,7 @@
           <p:cNvPr id="3" name="内容占位符 2">
             <a:extLst>
               <a:ext uri="{FF2B5EF4-FFF2-40B4-BE49-F238E27FC236}">
-                <a16:creationId xmlns:a16="http://schemas.microsoft.com/office/drawing/2014/main" id="{FBF3B7F5-1477-0736-B013-2E88D672D1B0}"/>
+                <a16:creationId xmlns:a16="http://schemas.microsoft.com/office/drawing/2014/main" id="{5221C0DA-9EAD-4E14-74CF-6D6955B0438F}"/>
               </a:ext>
             </a:extLst>
           </p:cNvPr>
@@ -2286,7 +2286,7 @@
           <p:cNvPr id="4" name="文本占位符 3">
             <a:extLst>
               <a:ext uri="{FF2B5EF4-FFF2-40B4-BE49-F238E27FC236}">
-                <a16:creationId xmlns:a16="http://schemas.microsoft.com/office/drawing/2014/main" id="{934A0D3A-1902-F485-525C-C79BE7284DBB}"/>
+                <a16:creationId xmlns:a16="http://schemas.microsoft.com/office/drawing/2014/main" id="{FC506421-5969-65AA-8F3E-FB6E21D9A605}"/>
               </a:ext>
             </a:extLst>
           </p:cNvPr>
@@ -2357,7 +2357,7 @@
           <p:cNvPr id="5" name="日期占位符 4">
             <a:extLst>
               <a:ext uri="{FF2B5EF4-FFF2-40B4-BE49-F238E27FC236}">
-                <a16:creationId xmlns:a16="http://schemas.microsoft.com/office/drawing/2014/main" id="{AEA0D13A-EE65-0D52-E822-5457C036351F}"/>
+                <a16:creationId xmlns:a16="http://schemas.microsoft.com/office/drawing/2014/main" id="{454D41FC-CBC9-0E7A-0EBC-BBE0D2DD9E10}"/>
               </a:ext>
             </a:extLst>
           </p:cNvPr>
@@ -2373,7 +2373,7 @@
           <a:bodyPr/>
           <a:lstStyle/>
           <a:p>
-            <a:fld id="{E20312F9-00B2-432D-936D-062DA3C83B02}" type="datetimeFigureOut">
+            <a:fld id="{B8FC55B3-BA4C-4134-B6FA-87009787B054}" type="datetimeFigureOut">
               <a:rPr lang="zh-CN" altLang="en-US" smtClean="0"/>
               <a:t>2024/3/10</a:t>
             </a:fld>
@@ -2386,7 +2386,7 @@
           <p:cNvPr id="6" name="页脚占位符 5">
             <a:extLst>
               <a:ext uri="{FF2B5EF4-FFF2-40B4-BE49-F238E27FC236}">
-                <a16:creationId xmlns:a16="http://schemas.microsoft.com/office/drawing/2014/main" id="{B6FB5B23-1263-0F36-28F9-854FBC1FBC07}"/>
+                <a16:creationId xmlns:a16="http://schemas.microsoft.com/office/drawing/2014/main" id="{031664BD-C049-8120-9CA4-98010E02AE91}"/>
               </a:ext>
             </a:extLst>
           </p:cNvPr>
@@ -2411,7 +2411,7 @@
           <p:cNvPr id="7" name="灯片编号占位符 6">
             <a:extLst>
               <a:ext uri="{FF2B5EF4-FFF2-40B4-BE49-F238E27FC236}">
-                <a16:creationId xmlns:a16="http://schemas.microsoft.com/office/drawing/2014/main" id="{91EE33DD-C09E-0246-C726-9FF28769596B}"/>
+                <a16:creationId xmlns:a16="http://schemas.microsoft.com/office/drawing/2014/main" id="{16538317-1AED-5D6C-222B-E39C1B92EA71}"/>
               </a:ext>
             </a:extLst>
           </p:cNvPr>
@@ -2427,7 +2427,7 @@
           <a:bodyPr/>
           <a:lstStyle/>
           <a:p>
-            <a:fld id="{02E3B1AB-DEB6-46EF-B501-25781BC0CB01}" type="slidenum">
+            <a:fld id="{C76ABE50-4381-4F67-A75B-75AE040D0E80}" type="slidenum">
               <a:rPr lang="zh-CN" altLang="en-US" smtClean="0"/>
               <a:t>‹#›</a:t>
             </a:fld>
@@ -2438,7 +2438,7 @@
     </p:spTree>
     <p:extLst>
       <p:ext uri="{BB962C8B-B14F-4D97-AF65-F5344CB8AC3E}">
-        <p14:creationId xmlns:p14="http://schemas.microsoft.com/office/powerpoint/2010/main" val="3034871830"/>
+        <p14:creationId xmlns:p14="http://schemas.microsoft.com/office/powerpoint/2010/main" val="3226009695"/>
       </p:ext>
     </p:extLst>
   </p:cSld>
@@ -2470,7 +2470,7 @@
           <p:cNvPr id="2" name="标题 1">
             <a:extLst>
               <a:ext uri="{FF2B5EF4-FFF2-40B4-BE49-F238E27FC236}">
-                <a16:creationId xmlns:a16="http://schemas.microsoft.com/office/drawing/2014/main" id="{C995ACD1-1EFC-C2DD-43FE-5A77FBDF745F}"/>
+                <a16:creationId xmlns:a16="http://schemas.microsoft.com/office/drawing/2014/main" id="{667B2EF6-33C9-9674-1E79-045718B0D583}"/>
               </a:ext>
             </a:extLst>
           </p:cNvPr>
@@ -2507,7 +2507,7 @@
           <p:cNvPr id="3" name="图片占位符 2">
             <a:extLst>
               <a:ext uri="{FF2B5EF4-FFF2-40B4-BE49-F238E27FC236}">
-                <a16:creationId xmlns:a16="http://schemas.microsoft.com/office/drawing/2014/main" id="{CA9365DF-12C5-097E-4B6C-E1B9498B2603}"/>
+                <a16:creationId xmlns:a16="http://schemas.microsoft.com/office/drawing/2014/main" id="{D0E7AC18-3DAE-4C21-E8AC-503DE8394CB8}"/>
               </a:ext>
             </a:extLst>
           </p:cNvPr>
@@ -2574,7 +2574,7 @@
           <p:cNvPr id="4" name="文本占位符 3">
             <a:extLst>
               <a:ext uri="{FF2B5EF4-FFF2-40B4-BE49-F238E27FC236}">
-                <a16:creationId xmlns:a16="http://schemas.microsoft.com/office/drawing/2014/main" id="{74215FAF-342C-16ED-5873-5CEF69653A56}"/>
+                <a16:creationId xmlns:a16="http://schemas.microsoft.com/office/drawing/2014/main" id="{9AD08E88-15AA-00AF-D223-BDD965D251E7}"/>
               </a:ext>
             </a:extLst>
           </p:cNvPr>
@@ -2645,7 +2645,7 @@
           <p:cNvPr id="5" name="日期占位符 4">
             <a:extLst>
               <a:ext uri="{FF2B5EF4-FFF2-40B4-BE49-F238E27FC236}">
-                <a16:creationId xmlns:a16="http://schemas.microsoft.com/office/drawing/2014/main" id="{4823AB8E-0E0A-157E-5D76-9DD321C7B329}"/>
+                <a16:creationId xmlns:a16="http://schemas.microsoft.com/office/drawing/2014/main" id="{9813F229-82DE-9ADA-71D1-DC908E44CF75}"/>
               </a:ext>
             </a:extLst>
           </p:cNvPr>
@@ -2661,7 +2661,7 @@
           <a:bodyPr/>
           <a:lstStyle/>
           <a:p>
-            <a:fld id="{E20312F9-00B2-432D-936D-062DA3C83B02}" type="datetimeFigureOut">
+            <a:fld id="{B8FC55B3-BA4C-4134-B6FA-87009787B054}" type="datetimeFigureOut">
               <a:rPr lang="zh-CN" altLang="en-US" smtClean="0"/>
               <a:t>2024/3/10</a:t>
             </a:fld>
@@ -2674,7 +2674,7 @@
           <p:cNvPr id="6" name="页脚占位符 5">
             <a:extLst>
               <a:ext uri="{FF2B5EF4-FFF2-40B4-BE49-F238E27FC236}">
-                <a16:creationId xmlns:a16="http://schemas.microsoft.com/office/drawing/2014/main" id="{251E0F73-1BEE-FF7F-C671-863B594704CA}"/>
+                <a16:creationId xmlns:a16="http://schemas.microsoft.com/office/drawing/2014/main" id="{34CBC211-3105-CC58-7AC7-1FE6AD07BAC3}"/>
               </a:ext>
             </a:extLst>
           </p:cNvPr>
@@ -2699,7 +2699,7 @@
           <p:cNvPr id="7" name="灯片编号占位符 6">
             <a:extLst>
               <a:ext uri="{FF2B5EF4-FFF2-40B4-BE49-F238E27FC236}">
-                <a16:creationId xmlns:a16="http://schemas.microsoft.com/office/drawing/2014/main" id="{0E410ED4-C935-DAFB-D628-6EA73E0732A8}"/>
+                <a16:creationId xmlns:a16="http://schemas.microsoft.com/office/drawing/2014/main" id="{B8BA7DBE-291D-13A5-0005-29D4DE5306BB}"/>
               </a:ext>
             </a:extLst>
           </p:cNvPr>
@@ -2715,7 +2715,7 @@
           <a:bodyPr/>
           <a:lstStyle/>
           <a:p>
-            <a:fld id="{02E3B1AB-DEB6-46EF-B501-25781BC0CB01}" type="slidenum">
+            <a:fld id="{C76ABE50-4381-4F67-A75B-75AE040D0E80}" type="slidenum">
               <a:rPr lang="zh-CN" altLang="en-US" smtClean="0"/>
               <a:t>‹#›</a:t>
             </a:fld>
@@ -2726,7 +2726,7 @@
     </p:spTree>
     <p:extLst>
       <p:ext uri="{BB962C8B-B14F-4D97-AF65-F5344CB8AC3E}">
-        <p14:creationId xmlns:p14="http://schemas.microsoft.com/office/powerpoint/2010/main" val="856634300"/>
+        <p14:creationId xmlns:p14="http://schemas.microsoft.com/office/powerpoint/2010/main" val="4199092499"/>
       </p:ext>
     </p:extLst>
   </p:cSld>
@@ -2763,7 +2763,7 @@
           <p:cNvPr id="2" name="标题占位符 1">
             <a:extLst>
               <a:ext uri="{FF2B5EF4-FFF2-40B4-BE49-F238E27FC236}">
-                <a16:creationId xmlns:a16="http://schemas.microsoft.com/office/drawing/2014/main" id="{C0BDB013-9F98-B3F3-8775-201A7ED9AD2D}"/>
+                <a16:creationId xmlns:a16="http://schemas.microsoft.com/office/drawing/2014/main" id="{ED0881AF-78BF-BC3A-8A87-2AB9CC7752DB}"/>
               </a:ext>
             </a:extLst>
           </p:cNvPr>
@@ -2801,7 +2801,7 @@
           <p:cNvPr id="3" name="文本占位符 2">
             <a:extLst>
               <a:ext uri="{FF2B5EF4-FFF2-40B4-BE49-F238E27FC236}">
-                <a16:creationId xmlns:a16="http://schemas.microsoft.com/office/drawing/2014/main" id="{2772A50A-45F3-8380-2D6A-94D971CD8CD4}"/>
+                <a16:creationId xmlns:a16="http://schemas.microsoft.com/office/drawing/2014/main" id="{9D5B4EC9-20A3-9098-AAAE-8F1A38758ADB}"/>
               </a:ext>
             </a:extLst>
           </p:cNvPr>
@@ -2868,7 +2868,7 @@
           <p:cNvPr id="4" name="日期占位符 3">
             <a:extLst>
               <a:ext uri="{FF2B5EF4-FFF2-40B4-BE49-F238E27FC236}">
-                <a16:creationId xmlns:a16="http://schemas.microsoft.com/office/drawing/2014/main" id="{BEF1ED76-2C1F-EA8D-9487-32F9A5639B99}"/>
+                <a16:creationId xmlns:a16="http://schemas.microsoft.com/office/drawing/2014/main" id="{2E610C94-E7E4-CC69-29EA-4AB2CDC59BA8}"/>
               </a:ext>
             </a:extLst>
           </p:cNvPr>
@@ -2902,7 +2902,7 @@
             </a:lvl1pPr>
           </a:lstStyle>
           <a:p>
-            <a:fld id="{E20312F9-00B2-432D-936D-062DA3C83B02}" type="datetimeFigureOut">
+            <a:fld id="{B8FC55B3-BA4C-4134-B6FA-87009787B054}" type="datetimeFigureOut">
               <a:rPr lang="zh-CN" altLang="en-US" smtClean="0"/>
               <a:t>2024/3/10</a:t>
             </a:fld>
@@ -2915,7 +2915,7 @@
           <p:cNvPr id="5" name="页脚占位符 4">
             <a:extLst>
               <a:ext uri="{FF2B5EF4-FFF2-40B4-BE49-F238E27FC236}">
-                <a16:creationId xmlns:a16="http://schemas.microsoft.com/office/drawing/2014/main" id="{984C02F3-9B90-B312-905C-E0F47021005E}"/>
+                <a16:creationId xmlns:a16="http://schemas.microsoft.com/office/drawing/2014/main" id="{BF5B3BFB-663D-489A-35DA-189110F70DA7}"/>
               </a:ext>
             </a:extLst>
           </p:cNvPr>
@@ -2958,7 +2958,7 @@
           <p:cNvPr id="6" name="灯片编号占位符 5">
             <a:extLst>
               <a:ext uri="{FF2B5EF4-FFF2-40B4-BE49-F238E27FC236}">
-                <a16:creationId xmlns:a16="http://schemas.microsoft.com/office/drawing/2014/main" id="{E40F87FA-B9D1-DD5F-1EA6-FF4A7B683CFC}"/>
+                <a16:creationId xmlns:a16="http://schemas.microsoft.com/office/drawing/2014/main" id="{01A2BAD7-28FE-9611-406E-324786C8582C}"/>
               </a:ext>
             </a:extLst>
           </p:cNvPr>
@@ -2992,7 +2992,7 @@
             </a:lvl1pPr>
           </a:lstStyle>
           <a:p>
-            <a:fld id="{02E3B1AB-DEB6-46EF-B501-25781BC0CB01}" type="slidenum">
+            <a:fld id="{C76ABE50-4381-4F67-A75B-75AE040D0E80}" type="slidenum">
               <a:rPr lang="zh-CN" altLang="en-US" smtClean="0"/>
               <a:t>‹#›</a:t>
             </a:fld>
@@ -3003,7 +3003,7 @@
     </p:spTree>
     <p:extLst>
       <p:ext uri="{BB962C8B-B14F-4D97-AF65-F5344CB8AC3E}">
-        <p14:creationId xmlns:p14="http://schemas.microsoft.com/office/powerpoint/2010/main" val="712182215"/>
+        <p14:creationId xmlns:p14="http://schemas.microsoft.com/office/powerpoint/2010/main" val="3720672354"/>
       </p:ext>
     </p:extLst>
   </p:cSld>
